--- a/圖/董維軒.pptx
+++ b/圖/董維軒.pptx
@@ -8,6 +8,7 @@
     <p:sldId id="259" r:id="rId2"/>
     <p:sldId id="260" r:id="rId3"/>
     <p:sldId id="261" r:id="rId4"/>
+    <p:sldId id="262" r:id="rId5"/>
   </p:sldIdLst>
   <p:sldSz cx="12192000" cy="6858000"/>
   <p:notesSz cx="6858000" cy="9144000"/>
@@ -261,7 +262,7 @@
           <a:p>
             <a:fld id="{B1C906F2-E74A-4F28-842E-244EC891B6B5}" type="datetimeFigureOut">
               <a:rPr lang="zh-TW" altLang="en-US" smtClean="0"/>
-              <a:t>2024/3/21</a:t>
+              <a:t>2024/4/11</a:t>
             </a:fld>
             <a:endParaRPr lang="zh-TW" altLang="en-US"/>
           </a:p>
@@ -459,7 +460,7 @@
           <a:p>
             <a:fld id="{B1C906F2-E74A-4F28-842E-244EC891B6B5}" type="datetimeFigureOut">
               <a:rPr lang="zh-TW" altLang="en-US" smtClean="0"/>
-              <a:t>2024/3/21</a:t>
+              <a:t>2024/4/11</a:t>
             </a:fld>
             <a:endParaRPr lang="zh-TW" altLang="en-US"/>
           </a:p>
@@ -667,7 +668,7 @@
           <a:p>
             <a:fld id="{B1C906F2-E74A-4F28-842E-244EC891B6B5}" type="datetimeFigureOut">
               <a:rPr lang="zh-TW" altLang="en-US" smtClean="0"/>
-              <a:t>2024/3/21</a:t>
+              <a:t>2024/4/11</a:t>
             </a:fld>
             <a:endParaRPr lang="zh-TW" altLang="en-US"/>
           </a:p>
@@ -865,7 +866,7 @@
           <a:p>
             <a:fld id="{B1C906F2-E74A-4F28-842E-244EC891B6B5}" type="datetimeFigureOut">
               <a:rPr lang="zh-TW" altLang="en-US" smtClean="0"/>
-              <a:t>2024/3/21</a:t>
+              <a:t>2024/4/11</a:t>
             </a:fld>
             <a:endParaRPr lang="zh-TW" altLang="en-US"/>
           </a:p>
@@ -1140,7 +1141,7 @@
           <a:p>
             <a:fld id="{B1C906F2-E74A-4F28-842E-244EC891B6B5}" type="datetimeFigureOut">
               <a:rPr lang="zh-TW" altLang="en-US" smtClean="0"/>
-              <a:t>2024/3/21</a:t>
+              <a:t>2024/4/11</a:t>
             </a:fld>
             <a:endParaRPr lang="zh-TW" altLang="en-US"/>
           </a:p>
@@ -1405,7 +1406,7 @@
           <a:p>
             <a:fld id="{B1C906F2-E74A-4F28-842E-244EC891B6B5}" type="datetimeFigureOut">
               <a:rPr lang="zh-TW" altLang="en-US" smtClean="0"/>
-              <a:t>2024/3/21</a:t>
+              <a:t>2024/4/11</a:t>
             </a:fld>
             <a:endParaRPr lang="zh-TW" altLang="en-US"/>
           </a:p>
@@ -1817,7 +1818,7 @@
           <a:p>
             <a:fld id="{B1C906F2-E74A-4F28-842E-244EC891B6B5}" type="datetimeFigureOut">
               <a:rPr lang="zh-TW" altLang="en-US" smtClean="0"/>
-              <a:t>2024/3/21</a:t>
+              <a:t>2024/4/11</a:t>
             </a:fld>
             <a:endParaRPr lang="zh-TW" altLang="en-US"/>
           </a:p>
@@ -1958,7 +1959,7 @@
           <a:p>
             <a:fld id="{B1C906F2-E74A-4F28-842E-244EC891B6B5}" type="datetimeFigureOut">
               <a:rPr lang="zh-TW" altLang="en-US" smtClean="0"/>
-              <a:t>2024/3/21</a:t>
+              <a:t>2024/4/11</a:t>
             </a:fld>
             <a:endParaRPr lang="zh-TW" altLang="en-US"/>
           </a:p>
@@ -2071,7 +2072,7 @@
           <a:p>
             <a:fld id="{B1C906F2-E74A-4F28-842E-244EC891B6B5}" type="datetimeFigureOut">
               <a:rPr lang="zh-TW" altLang="en-US" smtClean="0"/>
-              <a:t>2024/3/21</a:t>
+              <a:t>2024/4/11</a:t>
             </a:fld>
             <a:endParaRPr lang="zh-TW" altLang="en-US"/>
           </a:p>
@@ -2382,7 +2383,7 @@
           <a:p>
             <a:fld id="{B1C906F2-E74A-4F28-842E-244EC891B6B5}" type="datetimeFigureOut">
               <a:rPr lang="zh-TW" altLang="en-US" smtClean="0"/>
-              <a:t>2024/3/21</a:t>
+              <a:t>2024/4/11</a:t>
             </a:fld>
             <a:endParaRPr lang="zh-TW" altLang="en-US"/>
           </a:p>
@@ -2670,7 +2671,7 @@
           <a:p>
             <a:fld id="{B1C906F2-E74A-4F28-842E-244EC891B6B5}" type="datetimeFigureOut">
               <a:rPr lang="zh-TW" altLang="en-US" smtClean="0"/>
-              <a:t>2024/3/21</a:t>
+              <a:t>2024/4/11</a:t>
             </a:fld>
             <a:endParaRPr lang="zh-TW" altLang="en-US"/>
           </a:p>
@@ -2911,7 +2912,7 @@
           <a:p>
             <a:fld id="{B1C906F2-E74A-4F28-842E-244EC891B6B5}" type="datetimeFigureOut">
               <a:rPr lang="zh-TW" altLang="en-US" smtClean="0"/>
-              <a:t>2024/3/21</a:t>
+              <a:t>2024/4/11</a:t>
             </a:fld>
             <a:endParaRPr lang="zh-TW" altLang="en-US"/>
           </a:p>
@@ -3330,10 +3331,10 @@
       </p:grpSpPr>
       <p:pic>
         <p:nvPicPr>
-          <p:cNvPr id="4" name="圖片 3" descr="一張含有 文字, 螢幕擷取畫面, 鮮豔 的圖片&#10;&#10;自動產生的描述">
-            <a:extLst>
-              <a:ext uri="{FF2B5EF4-FFF2-40B4-BE49-F238E27FC236}">
-                <a16:creationId xmlns:a16="http://schemas.microsoft.com/office/drawing/2014/main" id="{49B44DDE-910D-0C25-6350-2035483BD3C3}"/>
+          <p:cNvPr id="3" name="圖片 2" descr="一張含有 文字, 螢幕擷取畫面, 鮮豔 的圖片&#10;&#10;自動產生的描述">
+            <a:extLst>
+              <a:ext uri="{FF2B5EF4-FFF2-40B4-BE49-F238E27FC236}">
+                <a16:creationId xmlns:a16="http://schemas.microsoft.com/office/drawing/2014/main" id="{C0E1C19A-FEC6-D310-4974-E46D2B2DBC2B}"/>
               </a:ext>
             </a:extLst>
           </p:cNvPr>
@@ -3356,8 +3357,8 @@
         </p:blipFill>
         <p:spPr>
           <a:xfrm>
-            <a:off x="1775451" y="836671"/>
-            <a:ext cx="8641097" cy="5184658"/>
+            <a:off x="1757163" y="832099"/>
+            <a:ext cx="8677673" cy="5193802"/>
           </a:xfrm>
           <a:prstGeom prst="rect">
             <a:avLst/>
@@ -3399,7 +3400,7 @@
           <p:cNvPr id="3" name="圖片 2" descr="一張含有 文字, 螢幕擷取畫面, 鮮豔 的圖片&#10;&#10;自動產生的描述">
             <a:extLst>
               <a:ext uri="{FF2B5EF4-FFF2-40B4-BE49-F238E27FC236}">
-                <a16:creationId xmlns:a16="http://schemas.microsoft.com/office/drawing/2014/main" id="{61FBC919-26DC-B35C-6A67-C9CE454899BB}"/>
+                <a16:creationId xmlns:a16="http://schemas.microsoft.com/office/drawing/2014/main" id="{34D86BB4-3125-6883-F895-6CB337202BAD}"/>
               </a:ext>
             </a:extLst>
           </p:cNvPr>
@@ -3422,8 +3423,8 @@
         </p:blipFill>
         <p:spPr>
           <a:xfrm>
-            <a:off x="1775451" y="836671"/>
-            <a:ext cx="8641097" cy="5184658"/>
+            <a:off x="1757163" y="832099"/>
+            <a:ext cx="8677673" cy="5193802"/>
           </a:xfrm>
           <a:prstGeom prst="rect">
             <a:avLst/>
@@ -3433,7 +3434,7 @@
     </p:spTree>
     <p:extLst>
       <p:ext uri="{BB962C8B-B14F-4D97-AF65-F5344CB8AC3E}">
-        <p14:creationId xmlns:p14="http://schemas.microsoft.com/office/powerpoint/2010/main" val="2914560078"/>
+        <p14:creationId xmlns:p14="http://schemas.microsoft.com/office/powerpoint/2010/main" val="3172763085"/>
       </p:ext>
     </p:extLst>
   </p:cSld>
@@ -3462,10 +3463,10 @@
       </p:grpSpPr>
       <p:pic>
         <p:nvPicPr>
-          <p:cNvPr id="3" name="圖片 2" descr="一張含有 文字, 鮮豔, 螢幕擷取畫面 的圖片&#10;&#10;自動產生的描述">
-            <a:extLst>
-              <a:ext uri="{FF2B5EF4-FFF2-40B4-BE49-F238E27FC236}">
-                <a16:creationId xmlns:a16="http://schemas.microsoft.com/office/drawing/2014/main" id="{C0B1B455-315B-4576-87CE-BB1C7607B280}"/>
+          <p:cNvPr id="3" name="圖片 2" descr="一張含有 文字, 螢幕擷取畫面, 鮮豔 的圖片&#10;&#10;自動產生的描述">
+            <a:extLst>
+              <a:ext uri="{FF2B5EF4-FFF2-40B4-BE49-F238E27FC236}">
+                <a16:creationId xmlns:a16="http://schemas.microsoft.com/office/drawing/2014/main" id="{72AB12E2-4773-0F22-44FC-224BA092A0CD}"/>
               </a:ext>
             </a:extLst>
           </p:cNvPr>
@@ -3488,8 +3489,8 @@
         </p:blipFill>
         <p:spPr>
           <a:xfrm>
-            <a:off x="1775451" y="836671"/>
-            <a:ext cx="8641097" cy="5184658"/>
+            <a:off x="1757163" y="832099"/>
+            <a:ext cx="8677673" cy="5193802"/>
           </a:xfrm>
           <a:prstGeom prst="rect">
             <a:avLst/>
@@ -3499,7 +3500,73 @@
     </p:spTree>
     <p:extLst>
       <p:ext uri="{BB962C8B-B14F-4D97-AF65-F5344CB8AC3E}">
-        <p14:creationId xmlns:p14="http://schemas.microsoft.com/office/powerpoint/2010/main" val="1761016135"/>
+        <p14:creationId xmlns:p14="http://schemas.microsoft.com/office/powerpoint/2010/main" val="3361326837"/>
+      </p:ext>
+    </p:extLst>
+  </p:cSld>
+  <p:clrMapOvr>
+    <a:masterClrMapping/>
+  </p:clrMapOvr>
+</p:sld>
+</file>
+
+<file path=ppt/slides/slide4.xml><?xml version="1.0" encoding="utf-8"?>
+<p:sld xmlns:a="http://schemas.openxmlformats.org/drawingml/2006/main" xmlns:r="http://schemas.openxmlformats.org/officeDocument/2006/relationships" xmlns:p="http://schemas.openxmlformats.org/presentationml/2006/main">
+  <p:cSld>
+    <p:spTree>
+      <p:nvGrpSpPr>
+        <p:cNvPr id="1" name=""/>
+        <p:cNvGrpSpPr/>
+        <p:nvPr/>
+      </p:nvGrpSpPr>
+      <p:grpSpPr>
+        <a:xfrm>
+          <a:off x="0" y="0"/>
+          <a:ext cx="0" cy="0"/>
+          <a:chOff x="0" y="0"/>
+          <a:chExt cx="0" cy="0"/>
+        </a:xfrm>
+      </p:grpSpPr>
+      <p:pic>
+        <p:nvPicPr>
+          <p:cNvPr id="3" name="圖片 2" descr="一張含有 文字, 螢幕擷取畫面, 鮮豔 的圖片&#10;&#10;自動產生的描述">
+            <a:extLst>
+              <a:ext uri="{FF2B5EF4-FFF2-40B4-BE49-F238E27FC236}">
+                <a16:creationId xmlns:a16="http://schemas.microsoft.com/office/drawing/2014/main" id="{0613702B-A0AC-E22F-3014-86417E877B33}"/>
+              </a:ext>
+            </a:extLst>
+          </p:cNvPr>
+          <p:cNvPicPr>
+            <a:picLocks noChangeAspect="1"/>
+          </p:cNvPicPr>
+          <p:nvPr/>
+        </p:nvPicPr>
+        <p:blipFill>
+          <a:blip r:embed="rId2">
+            <a:extLst>
+              <a:ext uri="{28A0092B-C50C-407E-A947-70E740481C1C}">
+                <a14:useLocalDpi xmlns:a14="http://schemas.microsoft.com/office/drawing/2010/main" val="0"/>
+              </a:ext>
+            </a:extLst>
+          </a:blip>
+          <a:stretch>
+            <a:fillRect/>
+          </a:stretch>
+        </p:blipFill>
+        <p:spPr>
+          <a:xfrm>
+            <a:off x="1757163" y="832099"/>
+            <a:ext cx="8677673" cy="5193802"/>
+          </a:xfrm>
+          <a:prstGeom prst="rect">
+            <a:avLst/>
+          </a:prstGeom>
+        </p:spPr>
+      </p:pic>
+    </p:spTree>
+    <p:extLst>
+      <p:ext uri="{BB962C8B-B14F-4D97-AF65-F5344CB8AC3E}">
+        <p14:creationId xmlns:p14="http://schemas.microsoft.com/office/powerpoint/2010/main" val="3952815376"/>
       </p:ext>
     </p:extLst>
   </p:cSld>
